--- a/tutorials/pipelines/tut_a_fun_bud/vector files/fig07_big.pptx
+++ b/tutorials/pipelines/tut_a_fun_bud/vector files/fig07_big.pptx
@@ -2,12 +2,12 @@
 <file path=ppt/presentation.xml><?xml version="1.0" encoding="utf-8"?>
 <p:presentation xmlns:a="http://schemas.openxmlformats.org/drawingml/2006/main" xmlns:r="http://schemas.openxmlformats.org/officeDocument/2006/relationships" xmlns:p="http://schemas.openxmlformats.org/presentationml/2006/main" saveSubsetFonts="1">
   <p:sldMasterIdLst>
-    <p:sldMasterId id="2147483696" r:id="rId1"/>
+    <p:sldMasterId id="2147483756" r:id="rId1"/>
   </p:sldMasterIdLst>
   <p:sldIdLst>
     <p:sldId id="256" r:id="rId2"/>
   </p:sldIdLst>
-  <p:sldSz cx="8778875" cy="5486400"/>
+  <p:sldSz cx="8778875" cy="7559675"/>
   <p:notesSz cx="6858000" cy="9144000"/>
   <p:defaultTextStyle>
     <a:defPPr>
@@ -141,15 +141,15 @@
         </p:nvSpPr>
         <p:spPr>
           <a:xfrm>
-            <a:off x="1097360" y="897890"/>
-            <a:ext cx="6584156" cy="1910080"/>
+            <a:off x="658416" y="1237197"/>
+            <a:ext cx="7462044" cy="2631887"/>
           </a:xfrm>
         </p:spPr>
         <p:txBody>
           <a:bodyPr anchor="b"/>
           <a:lstStyle>
             <a:lvl1pPr algn="ctr">
-              <a:defRPr sz="4321"/>
+              <a:defRPr sz="5761"/>
             </a:lvl1pPr>
           </a:lstStyle>
           <a:p>
@@ -173,8 +173,8 @@
         </p:nvSpPr>
         <p:spPr>
           <a:xfrm>
-            <a:off x="1097360" y="2881630"/>
-            <a:ext cx="6584156" cy="1324610"/>
+            <a:off x="1097360" y="3970580"/>
+            <a:ext cx="6584156" cy="1825171"/>
           </a:xfrm>
         </p:spPr>
         <p:txBody>
@@ -182,39 +182,39 @@
           <a:lstStyle>
             <a:lvl1pPr marL="0" indent="0" algn="ctr">
               <a:buNone/>
+              <a:defRPr sz="2304"/>
+            </a:lvl1pPr>
+            <a:lvl2pPr marL="438958" indent="0" algn="ctr">
+              <a:buNone/>
+              <a:defRPr sz="1920"/>
+            </a:lvl2pPr>
+            <a:lvl3pPr marL="877915" indent="0" algn="ctr">
+              <a:buNone/>
               <a:defRPr sz="1728"/>
-            </a:lvl1pPr>
-            <a:lvl2pPr marL="329230" indent="0" algn="ctr">
-              <a:buNone/>
-              <a:defRPr sz="1440"/>
-            </a:lvl2pPr>
-            <a:lvl3pPr marL="658459" indent="0" algn="ctr">
-              <a:buNone/>
-              <a:defRPr sz="1296"/>
             </a:lvl3pPr>
-            <a:lvl4pPr marL="987689" indent="0" algn="ctr">
-              <a:buNone/>
-              <a:defRPr sz="1152"/>
+            <a:lvl4pPr marL="1316873" indent="0" algn="ctr">
+              <a:buNone/>
+              <a:defRPr sz="1536"/>
             </a:lvl4pPr>
-            <a:lvl5pPr marL="1316919" indent="0" algn="ctr">
-              <a:buNone/>
-              <a:defRPr sz="1152"/>
+            <a:lvl5pPr marL="1755831" indent="0" algn="ctr">
+              <a:buNone/>
+              <a:defRPr sz="1536"/>
             </a:lvl5pPr>
-            <a:lvl6pPr marL="1646149" indent="0" algn="ctr">
-              <a:buNone/>
-              <a:defRPr sz="1152"/>
+            <a:lvl6pPr marL="2194789" indent="0" algn="ctr">
+              <a:buNone/>
+              <a:defRPr sz="1536"/>
             </a:lvl6pPr>
-            <a:lvl7pPr marL="1975378" indent="0" algn="ctr">
-              <a:buNone/>
-              <a:defRPr sz="1152"/>
+            <a:lvl7pPr marL="2633746" indent="0" algn="ctr">
+              <a:buNone/>
+              <a:defRPr sz="1536"/>
             </a:lvl7pPr>
-            <a:lvl8pPr marL="2304608" indent="0" algn="ctr">
-              <a:buNone/>
-              <a:defRPr sz="1152"/>
+            <a:lvl8pPr marL="3072704" indent="0" algn="ctr">
+              <a:buNone/>
+              <a:defRPr sz="1536"/>
             </a:lvl8pPr>
-            <a:lvl9pPr marL="2633838" indent="0" algn="ctr">
-              <a:buNone/>
-              <a:defRPr sz="1152"/>
+            <a:lvl9pPr marL="3511662" indent="0" algn="ctr">
+              <a:buNone/>
+              <a:defRPr sz="1536"/>
             </a:lvl9pPr>
           </a:lstStyle>
           <a:p>
@@ -294,7 +294,7 @@
     </p:spTree>
     <p:extLst>
       <p:ext uri="{BB962C8B-B14F-4D97-AF65-F5344CB8AC3E}">
-        <p14:creationId xmlns:p14="http://schemas.microsoft.com/office/powerpoint/2010/main" val="2286907468"/>
+        <p14:creationId xmlns:p14="http://schemas.microsoft.com/office/powerpoint/2010/main" val="3864927207"/>
       </p:ext>
     </p:extLst>
   </p:cSld>
@@ -464,7 +464,7 @@
     </p:spTree>
     <p:extLst>
       <p:ext uri="{BB962C8B-B14F-4D97-AF65-F5344CB8AC3E}">
-        <p14:creationId xmlns:p14="http://schemas.microsoft.com/office/powerpoint/2010/main" val="893241620"/>
+        <p14:creationId xmlns:p14="http://schemas.microsoft.com/office/powerpoint/2010/main" val="1882887099"/>
       </p:ext>
     </p:extLst>
   </p:cSld>
@@ -503,8 +503,8 @@
         </p:nvSpPr>
         <p:spPr>
           <a:xfrm>
-            <a:off x="6282382" y="292100"/>
-            <a:ext cx="1892945" cy="4649470"/>
+            <a:off x="6282383" y="402483"/>
+            <a:ext cx="1892945" cy="6406475"/>
           </a:xfrm>
         </p:spPr>
         <p:txBody>
@@ -531,8 +531,8 @@
         </p:nvSpPr>
         <p:spPr>
           <a:xfrm>
-            <a:off x="603548" y="292100"/>
-            <a:ext cx="5569099" cy="4649470"/>
+            <a:off x="603548" y="402483"/>
+            <a:ext cx="5569099" cy="6406475"/>
           </a:xfrm>
         </p:spPr>
         <p:txBody>
@@ -644,7 +644,7 @@
     </p:spTree>
     <p:extLst>
       <p:ext uri="{BB962C8B-B14F-4D97-AF65-F5344CB8AC3E}">
-        <p14:creationId xmlns:p14="http://schemas.microsoft.com/office/powerpoint/2010/main" val="4057110836"/>
+        <p14:creationId xmlns:p14="http://schemas.microsoft.com/office/powerpoint/2010/main" val="3839559867"/>
       </p:ext>
     </p:extLst>
   </p:cSld>
@@ -814,7 +814,7 @@
     </p:spTree>
     <p:extLst>
       <p:ext uri="{BB962C8B-B14F-4D97-AF65-F5344CB8AC3E}">
-        <p14:creationId xmlns:p14="http://schemas.microsoft.com/office/powerpoint/2010/main" val="3487789397"/>
+        <p14:creationId xmlns:p14="http://schemas.microsoft.com/office/powerpoint/2010/main" val="3326786670"/>
       </p:ext>
     </p:extLst>
   </p:cSld>
@@ -853,15 +853,15 @@
         </p:nvSpPr>
         <p:spPr>
           <a:xfrm>
-            <a:off x="598975" y="1367791"/>
-            <a:ext cx="7571780" cy="2282190"/>
+            <a:off x="598976" y="1884671"/>
+            <a:ext cx="7571780" cy="3144614"/>
           </a:xfrm>
         </p:spPr>
         <p:txBody>
           <a:bodyPr anchor="b"/>
           <a:lstStyle>
             <a:lvl1pPr>
-              <a:defRPr sz="4321"/>
+              <a:defRPr sz="5761"/>
             </a:lvl1pPr>
           </a:lstStyle>
           <a:p>
@@ -885,14 +885,32 @@
         </p:nvSpPr>
         <p:spPr>
           <a:xfrm>
-            <a:off x="598975" y="3671571"/>
-            <a:ext cx="7571780" cy="1200150"/>
+            <a:off x="598976" y="5059035"/>
+            <a:ext cx="7571780" cy="1653678"/>
           </a:xfrm>
         </p:spPr>
         <p:txBody>
           <a:bodyPr/>
           <a:lstStyle>
             <a:lvl1pPr marL="0" indent="0">
+              <a:buNone/>
+              <a:defRPr sz="2304">
+                <a:solidFill>
+                  <a:schemeClr val="tx1"/>
+                </a:solidFill>
+              </a:defRPr>
+            </a:lvl1pPr>
+            <a:lvl2pPr marL="438958" indent="0">
+              <a:buNone/>
+              <a:defRPr sz="1920">
+                <a:solidFill>
+                  <a:schemeClr val="tx1">
+                    <a:tint val="75000"/>
+                  </a:schemeClr>
+                </a:solidFill>
+              </a:defRPr>
+            </a:lvl2pPr>
+            <a:lvl3pPr marL="877915" indent="0">
               <a:buNone/>
               <a:defRPr sz="1728">
                 <a:solidFill>
@@ -901,30 +919,10 @@
                   </a:schemeClr>
                 </a:solidFill>
               </a:defRPr>
-            </a:lvl1pPr>
-            <a:lvl2pPr marL="329230" indent="0">
-              <a:buNone/>
-              <a:defRPr sz="1440">
-                <a:solidFill>
-                  <a:schemeClr val="tx1">
-                    <a:tint val="75000"/>
-                  </a:schemeClr>
-                </a:solidFill>
-              </a:defRPr>
-            </a:lvl2pPr>
-            <a:lvl3pPr marL="658459" indent="0">
-              <a:buNone/>
-              <a:defRPr sz="1296">
-                <a:solidFill>
-                  <a:schemeClr val="tx1">
-                    <a:tint val="75000"/>
-                  </a:schemeClr>
-                </a:solidFill>
-              </a:defRPr>
             </a:lvl3pPr>
-            <a:lvl4pPr marL="987689" indent="0">
-              <a:buNone/>
-              <a:defRPr sz="1152">
+            <a:lvl4pPr marL="1316873" indent="0">
+              <a:buNone/>
+              <a:defRPr sz="1536">
                 <a:solidFill>
                   <a:schemeClr val="tx1">
                     <a:tint val="75000"/>
@@ -932,9 +930,9 @@
                 </a:solidFill>
               </a:defRPr>
             </a:lvl4pPr>
-            <a:lvl5pPr marL="1316919" indent="0">
-              <a:buNone/>
-              <a:defRPr sz="1152">
+            <a:lvl5pPr marL="1755831" indent="0">
+              <a:buNone/>
+              <a:defRPr sz="1536">
                 <a:solidFill>
                   <a:schemeClr val="tx1">
                     <a:tint val="75000"/>
@@ -942,9 +940,9 @@
                 </a:solidFill>
               </a:defRPr>
             </a:lvl5pPr>
-            <a:lvl6pPr marL="1646149" indent="0">
-              <a:buNone/>
-              <a:defRPr sz="1152">
+            <a:lvl6pPr marL="2194789" indent="0">
+              <a:buNone/>
+              <a:defRPr sz="1536">
                 <a:solidFill>
                   <a:schemeClr val="tx1">
                     <a:tint val="75000"/>
@@ -952,9 +950,9 @@
                 </a:solidFill>
               </a:defRPr>
             </a:lvl6pPr>
-            <a:lvl7pPr marL="1975378" indent="0">
-              <a:buNone/>
-              <a:defRPr sz="1152">
+            <a:lvl7pPr marL="2633746" indent="0">
+              <a:buNone/>
+              <a:defRPr sz="1536">
                 <a:solidFill>
                   <a:schemeClr val="tx1">
                     <a:tint val="75000"/>
@@ -962,9 +960,9 @@
                 </a:solidFill>
               </a:defRPr>
             </a:lvl7pPr>
-            <a:lvl8pPr marL="2304608" indent="0">
-              <a:buNone/>
-              <a:defRPr sz="1152">
+            <a:lvl8pPr marL="3072704" indent="0">
+              <a:buNone/>
+              <a:defRPr sz="1536">
                 <a:solidFill>
                   <a:schemeClr val="tx1">
                     <a:tint val="75000"/>
@@ -972,9 +970,9 @@
                 </a:solidFill>
               </a:defRPr>
             </a:lvl8pPr>
-            <a:lvl9pPr marL="2633838" indent="0">
-              <a:buNone/>
-              <a:defRPr sz="1152">
+            <a:lvl9pPr marL="3511662" indent="0">
+              <a:buNone/>
+              <a:defRPr sz="1536">
                 <a:solidFill>
                   <a:schemeClr val="tx1">
                     <a:tint val="75000"/>
@@ -1060,7 +1058,7 @@
     </p:spTree>
     <p:extLst>
       <p:ext uri="{BB962C8B-B14F-4D97-AF65-F5344CB8AC3E}">
-        <p14:creationId xmlns:p14="http://schemas.microsoft.com/office/powerpoint/2010/main" val="3520788965"/>
+        <p14:creationId xmlns:p14="http://schemas.microsoft.com/office/powerpoint/2010/main" val="3886835660"/>
       </p:ext>
     </p:extLst>
   </p:cSld>
@@ -1122,8 +1120,8 @@
         </p:nvSpPr>
         <p:spPr>
           <a:xfrm>
-            <a:off x="603548" y="1460500"/>
-            <a:ext cx="3731022" cy="3481070"/>
+            <a:off x="603548" y="2012414"/>
+            <a:ext cx="3731022" cy="4796544"/>
           </a:xfrm>
         </p:spPr>
         <p:txBody>
@@ -1179,8 +1177,8 @@
         </p:nvSpPr>
         <p:spPr>
           <a:xfrm>
-            <a:off x="4444305" y="1460500"/>
-            <a:ext cx="3731022" cy="3481070"/>
+            <a:off x="4444305" y="2012414"/>
+            <a:ext cx="3731022" cy="4796544"/>
           </a:xfrm>
         </p:spPr>
         <p:txBody>
@@ -1292,7 +1290,7 @@
     </p:spTree>
     <p:extLst>
       <p:ext uri="{BB962C8B-B14F-4D97-AF65-F5344CB8AC3E}">
-        <p14:creationId xmlns:p14="http://schemas.microsoft.com/office/powerpoint/2010/main" val="1451664713"/>
+        <p14:creationId xmlns:p14="http://schemas.microsoft.com/office/powerpoint/2010/main" val="3664502"/>
       </p:ext>
     </p:extLst>
   </p:cSld>
@@ -1331,8 +1329,8 @@
         </p:nvSpPr>
         <p:spPr>
           <a:xfrm>
-            <a:off x="604691" y="292101"/>
-            <a:ext cx="7571780" cy="1060450"/>
+            <a:off x="604691" y="402484"/>
+            <a:ext cx="7571780" cy="1461188"/>
           </a:xfrm>
         </p:spPr>
         <p:txBody>
@@ -1359,8 +1357,8 @@
         </p:nvSpPr>
         <p:spPr>
           <a:xfrm>
-            <a:off x="604692" y="1344930"/>
-            <a:ext cx="3713875" cy="659130"/>
+            <a:off x="604692" y="1853171"/>
+            <a:ext cx="3713875" cy="908210"/>
           </a:xfrm>
         </p:spPr>
         <p:txBody>
@@ -1368,39 +1366,39 @@
           <a:lstStyle>
             <a:lvl1pPr marL="0" indent="0">
               <a:buNone/>
+              <a:defRPr sz="2304" b="1"/>
+            </a:lvl1pPr>
+            <a:lvl2pPr marL="438958" indent="0">
+              <a:buNone/>
+              <a:defRPr sz="1920" b="1"/>
+            </a:lvl2pPr>
+            <a:lvl3pPr marL="877915" indent="0">
+              <a:buNone/>
               <a:defRPr sz="1728" b="1"/>
-            </a:lvl1pPr>
-            <a:lvl2pPr marL="329230" indent="0">
-              <a:buNone/>
-              <a:defRPr sz="1440" b="1"/>
-            </a:lvl2pPr>
-            <a:lvl3pPr marL="658459" indent="0">
-              <a:buNone/>
-              <a:defRPr sz="1296" b="1"/>
             </a:lvl3pPr>
-            <a:lvl4pPr marL="987689" indent="0">
-              <a:buNone/>
-              <a:defRPr sz="1152" b="1"/>
+            <a:lvl4pPr marL="1316873" indent="0">
+              <a:buNone/>
+              <a:defRPr sz="1536" b="1"/>
             </a:lvl4pPr>
-            <a:lvl5pPr marL="1316919" indent="0">
-              <a:buNone/>
-              <a:defRPr sz="1152" b="1"/>
+            <a:lvl5pPr marL="1755831" indent="0">
+              <a:buNone/>
+              <a:defRPr sz="1536" b="1"/>
             </a:lvl5pPr>
-            <a:lvl6pPr marL="1646149" indent="0">
-              <a:buNone/>
-              <a:defRPr sz="1152" b="1"/>
+            <a:lvl6pPr marL="2194789" indent="0">
+              <a:buNone/>
+              <a:defRPr sz="1536" b="1"/>
             </a:lvl6pPr>
-            <a:lvl7pPr marL="1975378" indent="0">
-              <a:buNone/>
-              <a:defRPr sz="1152" b="1"/>
+            <a:lvl7pPr marL="2633746" indent="0">
+              <a:buNone/>
+              <a:defRPr sz="1536" b="1"/>
             </a:lvl7pPr>
-            <a:lvl8pPr marL="2304608" indent="0">
-              <a:buNone/>
-              <a:defRPr sz="1152" b="1"/>
+            <a:lvl8pPr marL="3072704" indent="0">
+              <a:buNone/>
+              <a:defRPr sz="1536" b="1"/>
             </a:lvl8pPr>
-            <a:lvl9pPr marL="2633838" indent="0">
-              <a:buNone/>
-              <a:defRPr sz="1152" b="1"/>
+            <a:lvl9pPr marL="3511662" indent="0">
+              <a:buNone/>
+              <a:defRPr sz="1536" b="1"/>
             </a:lvl9pPr>
           </a:lstStyle>
           <a:p>
@@ -1424,8 +1422,8 @@
         </p:nvSpPr>
         <p:spPr>
           <a:xfrm>
-            <a:off x="604692" y="2004060"/>
-            <a:ext cx="3713875" cy="2947670"/>
+            <a:off x="604692" y="2761381"/>
+            <a:ext cx="3713875" cy="4061576"/>
           </a:xfrm>
         </p:spPr>
         <p:txBody>
@@ -1481,8 +1479,8 @@
         </p:nvSpPr>
         <p:spPr>
           <a:xfrm>
-            <a:off x="4444306" y="1344930"/>
-            <a:ext cx="3732165" cy="659130"/>
+            <a:off x="4444306" y="1853171"/>
+            <a:ext cx="3732165" cy="908210"/>
           </a:xfrm>
         </p:spPr>
         <p:txBody>
@@ -1490,39 +1488,39 @@
           <a:lstStyle>
             <a:lvl1pPr marL="0" indent="0">
               <a:buNone/>
+              <a:defRPr sz="2304" b="1"/>
+            </a:lvl1pPr>
+            <a:lvl2pPr marL="438958" indent="0">
+              <a:buNone/>
+              <a:defRPr sz="1920" b="1"/>
+            </a:lvl2pPr>
+            <a:lvl3pPr marL="877915" indent="0">
+              <a:buNone/>
               <a:defRPr sz="1728" b="1"/>
-            </a:lvl1pPr>
-            <a:lvl2pPr marL="329230" indent="0">
-              <a:buNone/>
-              <a:defRPr sz="1440" b="1"/>
-            </a:lvl2pPr>
-            <a:lvl3pPr marL="658459" indent="0">
-              <a:buNone/>
-              <a:defRPr sz="1296" b="1"/>
             </a:lvl3pPr>
-            <a:lvl4pPr marL="987689" indent="0">
-              <a:buNone/>
-              <a:defRPr sz="1152" b="1"/>
+            <a:lvl4pPr marL="1316873" indent="0">
+              <a:buNone/>
+              <a:defRPr sz="1536" b="1"/>
             </a:lvl4pPr>
-            <a:lvl5pPr marL="1316919" indent="0">
-              <a:buNone/>
-              <a:defRPr sz="1152" b="1"/>
+            <a:lvl5pPr marL="1755831" indent="0">
+              <a:buNone/>
+              <a:defRPr sz="1536" b="1"/>
             </a:lvl5pPr>
-            <a:lvl6pPr marL="1646149" indent="0">
-              <a:buNone/>
-              <a:defRPr sz="1152" b="1"/>
+            <a:lvl6pPr marL="2194789" indent="0">
+              <a:buNone/>
+              <a:defRPr sz="1536" b="1"/>
             </a:lvl6pPr>
-            <a:lvl7pPr marL="1975378" indent="0">
-              <a:buNone/>
-              <a:defRPr sz="1152" b="1"/>
+            <a:lvl7pPr marL="2633746" indent="0">
+              <a:buNone/>
+              <a:defRPr sz="1536" b="1"/>
             </a:lvl7pPr>
-            <a:lvl8pPr marL="2304608" indent="0">
-              <a:buNone/>
-              <a:defRPr sz="1152" b="1"/>
+            <a:lvl8pPr marL="3072704" indent="0">
+              <a:buNone/>
+              <a:defRPr sz="1536" b="1"/>
             </a:lvl8pPr>
-            <a:lvl9pPr marL="2633838" indent="0">
-              <a:buNone/>
-              <a:defRPr sz="1152" b="1"/>
+            <a:lvl9pPr marL="3511662" indent="0">
+              <a:buNone/>
+              <a:defRPr sz="1536" b="1"/>
             </a:lvl9pPr>
           </a:lstStyle>
           <a:p>
@@ -1546,8 +1544,8 @@
         </p:nvSpPr>
         <p:spPr>
           <a:xfrm>
-            <a:off x="4444306" y="2004060"/>
-            <a:ext cx="3732165" cy="2947670"/>
+            <a:off x="4444306" y="2761381"/>
+            <a:ext cx="3732165" cy="4061576"/>
           </a:xfrm>
         </p:spPr>
         <p:txBody>
@@ -1659,7 +1657,7 @@
     </p:spTree>
     <p:extLst>
       <p:ext uri="{BB962C8B-B14F-4D97-AF65-F5344CB8AC3E}">
-        <p14:creationId xmlns:p14="http://schemas.microsoft.com/office/powerpoint/2010/main" val="2116188150"/>
+        <p14:creationId xmlns:p14="http://schemas.microsoft.com/office/powerpoint/2010/main" val="1040152250"/>
       </p:ext>
     </p:extLst>
   </p:cSld>
@@ -1777,7 +1775,7 @@
     </p:spTree>
     <p:extLst>
       <p:ext uri="{BB962C8B-B14F-4D97-AF65-F5344CB8AC3E}">
-        <p14:creationId xmlns:p14="http://schemas.microsoft.com/office/powerpoint/2010/main" val="422802850"/>
+        <p14:creationId xmlns:p14="http://schemas.microsoft.com/office/powerpoint/2010/main" val="2876079651"/>
       </p:ext>
     </p:extLst>
   </p:cSld>
@@ -1872,7 +1870,7 @@
     </p:spTree>
     <p:extLst>
       <p:ext uri="{BB962C8B-B14F-4D97-AF65-F5344CB8AC3E}">
-        <p14:creationId xmlns:p14="http://schemas.microsoft.com/office/powerpoint/2010/main" val="1596911496"/>
+        <p14:creationId xmlns:p14="http://schemas.microsoft.com/office/powerpoint/2010/main" val="799040906"/>
       </p:ext>
     </p:extLst>
   </p:cSld>
@@ -1911,15 +1909,15 @@
         </p:nvSpPr>
         <p:spPr>
           <a:xfrm>
-            <a:off x="604692" y="365760"/>
-            <a:ext cx="2831415" cy="1280160"/>
+            <a:off x="604691" y="503978"/>
+            <a:ext cx="2831416" cy="1763924"/>
           </a:xfrm>
         </p:spPr>
         <p:txBody>
           <a:bodyPr anchor="b"/>
           <a:lstStyle>
             <a:lvl1pPr>
-              <a:defRPr sz="2304"/>
+              <a:defRPr sz="3072"/>
             </a:lvl1pPr>
           </a:lstStyle>
           <a:p>
@@ -1943,39 +1941,39 @@
         </p:nvSpPr>
         <p:spPr>
           <a:xfrm>
-            <a:off x="3732166" y="789940"/>
-            <a:ext cx="4444305" cy="3898900"/>
+            <a:off x="3732166" y="1088455"/>
+            <a:ext cx="4444305" cy="5372269"/>
           </a:xfrm>
         </p:spPr>
         <p:txBody>
           <a:bodyPr/>
           <a:lstStyle>
             <a:lvl1pPr>
-              <a:defRPr sz="2304"/>
+              <a:defRPr sz="3072"/>
             </a:lvl1pPr>
             <a:lvl2pPr>
-              <a:defRPr sz="2016"/>
+              <a:defRPr sz="2688"/>
             </a:lvl2pPr>
             <a:lvl3pPr>
-              <a:defRPr sz="1728"/>
+              <a:defRPr sz="2304"/>
             </a:lvl3pPr>
             <a:lvl4pPr>
-              <a:defRPr sz="1440"/>
+              <a:defRPr sz="1920"/>
             </a:lvl4pPr>
             <a:lvl5pPr>
-              <a:defRPr sz="1440"/>
+              <a:defRPr sz="1920"/>
             </a:lvl5pPr>
             <a:lvl6pPr>
-              <a:defRPr sz="1440"/>
+              <a:defRPr sz="1920"/>
             </a:lvl6pPr>
             <a:lvl7pPr>
-              <a:defRPr sz="1440"/>
+              <a:defRPr sz="1920"/>
             </a:lvl7pPr>
             <a:lvl8pPr>
-              <a:defRPr sz="1440"/>
+              <a:defRPr sz="1920"/>
             </a:lvl8pPr>
             <a:lvl9pPr>
-              <a:defRPr sz="1440"/>
+              <a:defRPr sz="1920"/>
             </a:lvl9pPr>
           </a:lstStyle>
           <a:p>
@@ -2028,8 +2026,8 @@
         </p:nvSpPr>
         <p:spPr>
           <a:xfrm>
-            <a:off x="604692" y="1645920"/>
-            <a:ext cx="2831415" cy="3049270"/>
+            <a:off x="604691" y="2267902"/>
+            <a:ext cx="2831416" cy="4201570"/>
           </a:xfrm>
         </p:spPr>
         <p:txBody>
@@ -2037,39 +2035,39 @@
           <a:lstStyle>
             <a:lvl1pPr marL="0" indent="0">
               <a:buNone/>
+              <a:defRPr sz="1536"/>
+            </a:lvl1pPr>
+            <a:lvl2pPr marL="438958" indent="0">
+              <a:buNone/>
+              <a:defRPr sz="1344"/>
+            </a:lvl2pPr>
+            <a:lvl3pPr marL="877915" indent="0">
+              <a:buNone/>
               <a:defRPr sz="1152"/>
-            </a:lvl1pPr>
-            <a:lvl2pPr marL="329230" indent="0">
-              <a:buNone/>
-              <a:defRPr sz="1008"/>
-            </a:lvl2pPr>
-            <a:lvl3pPr marL="658459" indent="0">
-              <a:buNone/>
-              <a:defRPr sz="864"/>
             </a:lvl3pPr>
-            <a:lvl4pPr marL="987689" indent="0">
-              <a:buNone/>
-              <a:defRPr sz="720"/>
+            <a:lvl4pPr marL="1316873" indent="0">
+              <a:buNone/>
+              <a:defRPr sz="960"/>
             </a:lvl4pPr>
-            <a:lvl5pPr marL="1316919" indent="0">
-              <a:buNone/>
-              <a:defRPr sz="720"/>
+            <a:lvl5pPr marL="1755831" indent="0">
+              <a:buNone/>
+              <a:defRPr sz="960"/>
             </a:lvl5pPr>
-            <a:lvl6pPr marL="1646149" indent="0">
-              <a:buNone/>
-              <a:defRPr sz="720"/>
+            <a:lvl6pPr marL="2194789" indent="0">
+              <a:buNone/>
+              <a:defRPr sz="960"/>
             </a:lvl6pPr>
-            <a:lvl7pPr marL="1975378" indent="0">
-              <a:buNone/>
-              <a:defRPr sz="720"/>
+            <a:lvl7pPr marL="2633746" indent="0">
+              <a:buNone/>
+              <a:defRPr sz="960"/>
             </a:lvl7pPr>
-            <a:lvl8pPr marL="2304608" indent="0">
-              <a:buNone/>
-              <a:defRPr sz="720"/>
+            <a:lvl8pPr marL="3072704" indent="0">
+              <a:buNone/>
+              <a:defRPr sz="960"/>
             </a:lvl8pPr>
-            <a:lvl9pPr marL="2633838" indent="0">
-              <a:buNone/>
-              <a:defRPr sz="720"/>
+            <a:lvl9pPr marL="3511662" indent="0">
+              <a:buNone/>
+              <a:defRPr sz="960"/>
             </a:lvl9pPr>
           </a:lstStyle>
           <a:p>
@@ -2149,7 +2147,7 @@
     </p:spTree>
     <p:extLst>
       <p:ext uri="{BB962C8B-B14F-4D97-AF65-F5344CB8AC3E}">
-        <p14:creationId xmlns:p14="http://schemas.microsoft.com/office/powerpoint/2010/main" val="2054921963"/>
+        <p14:creationId xmlns:p14="http://schemas.microsoft.com/office/powerpoint/2010/main" val="3059909159"/>
       </p:ext>
     </p:extLst>
   </p:cSld>
@@ -2188,15 +2186,15 @@
         </p:nvSpPr>
         <p:spPr>
           <a:xfrm>
-            <a:off x="604692" y="365760"/>
-            <a:ext cx="2831415" cy="1280160"/>
+            <a:off x="604691" y="503978"/>
+            <a:ext cx="2831416" cy="1763924"/>
           </a:xfrm>
         </p:spPr>
         <p:txBody>
           <a:bodyPr anchor="b"/>
           <a:lstStyle>
             <a:lvl1pPr>
-              <a:defRPr sz="2304"/>
+              <a:defRPr sz="3072"/>
             </a:lvl1pPr>
           </a:lstStyle>
           <a:p>
@@ -2220,8 +2218,8 @@
         </p:nvSpPr>
         <p:spPr>
           <a:xfrm>
-            <a:off x="3732166" y="789940"/>
-            <a:ext cx="4444305" cy="3898900"/>
+            <a:off x="3732166" y="1088455"/>
+            <a:ext cx="4444305" cy="5372269"/>
           </a:xfrm>
         </p:spPr>
         <p:txBody>
@@ -2229,39 +2227,39 @@
           <a:lstStyle>
             <a:lvl1pPr marL="0" indent="0">
               <a:buNone/>
+              <a:defRPr sz="3072"/>
+            </a:lvl1pPr>
+            <a:lvl2pPr marL="438958" indent="0">
+              <a:buNone/>
+              <a:defRPr sz="2688"/>
+            </a:lvl2pPr>
+            <a:lvl3pPr marL="877915" indent="0">
+              <a:buNone/>
               <a:defRPr sz="2304"/>
-            </a:lvl1pPr>
-            <a:lvl2pPr marL="329230" indent="0">
-              <a:buNone/>
-              <a:defRPr sz="2016"/>
-            </a:lvl2pPr>
-            <a:lvl3pPr marL="658459" indent="0">
-              <a:buNone/>
-              <a:defRPr sz="1728"/>
             </a:lvl3pPr>
-            <a:lvl4pPr marL="987689" indent="0">
-              <a:buNone/>
-              <a:defRPr sz="1440"/>
+            <a:lvl4pPr marL="1316873" indent="0">
+              <a:buNone/>
+              <a:defRPr sz="1920"/>
             </a:lvl4pPr>
-            <a:lvl5pPr marL="1316919" indent="0">
-              <a:buNone/>
-              <a:defRPr sz="1440"/>
+            <a:lvl5pPr marL="1755831" indent="0">
+              <a:buNone/>
+              <a:defRPr sz="1920"/>
             </a:lvl5pPr>
-            <a:lvl6pPr marL="1646149" indent="0">
-              <a:buNone/>
-              <a:defRPr sz="1440"/>
+            <a:lvl6pPr marL="2194789" indent="0">
+              <a:buNone/>
+              <a:defRPr sz="1920"/>
             </a:lvl6pPr>
-            <a:lvl7pPr marL="1975378" indent="0">
-              <a:buNone/>
-              <a:defRPr sz="1440"/>
+            <a:lvl7pPr marL="2633746" indent="0">
+              <a:buNone/>
+              <a:defRPr sz="1920"/>
             </a:lvl7pPr>
-            <a:lvl8pPr marL="2304608" indent="0">
-              <a:buNone/>
-              <a:defRPr sz="1440"/>
+            <a:lvl8pPr marL="3072704" indent="0">
+              <a:buNone/>
+              <a:defRPr sz="1920"/>
             </a:lvl8pPr>
-            <a:lvl9pPr marL="2633838" indent="0">
-              <a:buNone/>
-              <a:defRPr sz="1440"/>
+            <a:lvl9pPr marL="3511662" indent="0">
+              <a:buNone/>
+              <a:defRPr sz="1920"/>
             </a:lvl9pPr>
           </a:lstStyle>
           <a:p>
@@ -2285,8 +2283,8 @@
         </p:nvSpPr>
         <p:spPr>
           <a:xfrm>
-            <a:off x="604692" y="1645920"/>
-            <a:ext cx="2831415" cy="3049270"/>
+            <a:off x="604691" y="2267902"/>
+            <a:ext cx="2831416" cy="4201570"/>
           </a:xfrm>
         </p:spPr>
         <p:txBody>
@@ -2294,39 +2292,39 @@
           <a:lstStyle>
             <a:lvl1pPr marL="0" indent="0">
               <a:buNone/>
+              <a:defRPr sz="1536"/>
+            </a:lvl1pPr>
+            <a:lvl2pPr marL="438958" indent="0">
+              <a:buNone/>
+              <a:defRPr sz="1344"/>
+            </a:lvl2pPr>
+            <a:lvl3pPr marL="877915" indent="0">
+              <a:buNone/>
               <a:defRPr sz="1152"/>
-            </a:lvl1pPr>
-            <a:lvl2pPr marL="329230" indent="0">
-              <a:buNone/>
-              <a:defRPr sz="1008"/>
-            </a:lvl2pPr>
-            <a:lvl3pPr marL="658459" indent="0">
-              <a:buNone/>
-              <a:defRPr sz="864"/>
             </a:lvl3pPr>
-            <a:lvl4pPr marL="987689" indent="0">
-              <a:buNone/>
-              <a:defRPr sz="720"/>
+            <a:lvl4pPr marL="1316873" indent="0">
+              <a:buNone/>
+              <a:defRPr sz="960"/>
             </a:lvl4pPr>
-            <a:lvl5pPr marL="1316919" indent="0">
-              <a:buNone/>
-              <a:defRPr sz="720"/>
+            <a:lvl5pPr marL="1755831" indent="0">
+              <a:buNone/>
+              <a:defRPr sz="960"/>
             </a:lvl5pPr>
-            <a:lvl6pPr marL="1646149" indent="0">
-              <a:buNone/>
-              <a:defRPr sz="720"/>
+            <a:lvl6pPr marL="2194789" indent="0">
+              <a:buNone/>
+              <a:defRPr sz="960"/>
             </a:lvl6pPr>
-            <a:lvl7pPr marL="1975378" indent="0">
-              <a:buNone/>
-              <a:defRPr sz="720"/>
+            <a:lvl7pPr marL="2633746" indent="0">
+              <a:buNone/>
+              <a:defRPr sz="960"/>
             </a:lvl7pPr>
-            <a:lvl8pPr marL="2304608" indent="0">
-              <a:buNone/>
-              <a:defRPr sz="720"/>
+            <a:lvl8pPr marL="3072704" indent="0">
+              <a:buNone/>
+              <a:defRPr sz="960"/>
             </a:lvl8pPr>
-            <a:lvl9pPr marL="2633838" indent="0">
-              <a:buNone/>
-              <a:defRPr sz="720"/>
+            <a:lvl9pPr marL="3511662" indent="0">
+              <a:buNone/>
+              <a:defRPr sz="960"/>
             </a:lvl9pPr>
           </a:lstStyle>
           <a:p>
@@ -2406,7 +2404,7 @@
     </p:spTree>
     <p:extLst>
       <p:ext uri="{BB962C8B-B14F-4D97-AF65-F5344CB8AC3E}">
-        <p14:creationId xmlns:p14="http://schemas.microsoft.com/office/powerpoint/2010/main" val="1905789695"/>
+        <p14:creationId xmlns:p14="http://schemas.microsoft.com/office/powerpoint/2010/main" val="711662813"/>
       </p:ext>
     </p:extLst>
   </p:cSld>
@@ -2450,8 +2448,8 @@
         </p:nvSpPr>
         <p:spPr>
           <a:xfrm>
-            <a:off x="603548" y="292101"/>
-            <a:ext cx="7571780" cy="1060450"/>
+            <a:off x="603548" y="402484"/>
+            <a:ext cx="7571780" cy="1461188"/>
           </a:xfrm>
           <a:prstGeom prst="rect">
             <a:avLst/>
@@ -2483,8 +2481,8 @@
         </p:nvSpPr>
         <p:spPr>
           <a:xfrm>
-            <a:off x="603548" y="1460500"/>
-            <a:ext cx="7571780" cy="3481070"/>
+            <a:off x="603548" y="2012414"/>
+            <a:ext cx="7571780" cy="4796544"/>
           </a:xfrm>
           <a:prstGeom prst="rect">
             <a:avLst/>
@@ -2545,8 +2543,8 @@
         </p:nvSpPr>
         <p:spPr>
           <a:xfrm>
-            <a:off x="603548" y="5085080"/>
-            <a:ext cx="1975247" cy="292100"/>
+            <a:off x="603548" y="7006700"/>
+            <a:ext cx="1975247" cy="402483"/>
           </a:xfrm>
           <a:prstGeom prst="rect">
             <a:avLst/>
@@ -2556,7 +2554,7 @@
           <a:bodyPr vert="horz" lIns="91440" tIns="45720" rIns="91440" bIns="45720" rtlCol="0" anchor="ctr"/>
           <a:lstStyle>
             <a:lvl1pPr algn="l">
-              <a:defRPr sz="864">
+              <a:defRPr sz="1152">
                 <a:solidFill>
                   <a:schemeClr val="tx1">
                     <a:tint val="75000"/>
@@ -2586,8 +2584,8 @@
         </p:nvSpPr>
         <p:spPr>
           <a:xfrm>
-            <a:off x="2908003" y="5085080"/>
-            <a:ext cx="2962870" cy="292100"/>
+            <a:off x="2908003" y="7006700"/>
+            <a:ext cx="2962870" cy="402483"/>
           </a:xfrm>
           <a:prstGeom prst="rect">
             <a:avLst/>
@@ -2597,7 +2595,7 @@
           <a:bodyPr vert="horz" lIns="91440" tIns="45720" rIns="91440" bIns="45720" rtlCol="0" anchor="ctr"/>
           <a:lstStyle>
             <a:lvl1pPr algn="ctr">
-              <a:defRPr sz="864">
+              <a:defRPr sz="1152">
                 <a:solidFill>
                   <a:schemeClr val="tx1">
                     <a:tint val="75000"/>
@@ -2623,8 +2621,8 @@
         </p:nvSpPr>
         <p:spPr>
           <a:xfrm>
-            <a:off x="6200080" y="5085080"/>
-            <a:ext cx="1975247" cy="292100"/>
+            <a:off x="6200080" y="7006700"/>
+            <a:ext cx="1975247" cy="402483"/>
           </a:xfrm>
           <a:prstGeom prst="rect">
             <a:avLst/>
@@ -2634,7 +2632,7 @@
           <a:bodyPr vert="horz" lIns="91440" tIns="45720" rIns="91440" bIns="45720" rtlCol="0" anchor="ctr"/>
           <a:lstStyle>
             <a:lvl1pPr algn="r">
-              <a:defRPr sz="864">
+              <a:defRPr sz="1152">
                 <a:solidFill>
                   <a:schemeClr val="tx1">
                     <a:tint val="75000"/>
@@ -2655,27 +2653,27 @@
     </p:spTree>
     <p:extLst>
       <p:ext uri="{BB962C8B-B14F-4D97-AF65-F5344CB8AC3E}">
-        <p14:creationId xmlns:p14="http://schemas.microsoft.com/office/powerpoint/2010/main" val="1570273775"/>
+        <p14:creationId xmlns:p14="http://schemas.microsoft.com/office/powerpoint/2010/main" val="2433676770"/>
       </p:ext>
     </p:extLst>
   </p:cSld>
   <p:clrMap bg1="lt1" tx1="dk1" bg2="lt2" tx2="dk2" accent1="accent1" accent2="accent2" accent3="accent3" accent4="accent4" accent5="accent5" accent6="accent6" hlink="hlink" folHlink="folHlink"/>
   <p:sldLayoutIdLst>
-    <p:sldLayoutId id="2147483697" r:id="rId1"/>
-    <p:sldLayoutId id="2147483698" r:id="rId2"/>
-    <p:sldLayoutId id="2147483699" r:id="rId3"/>
-    <p:sldLayoutId id="2147483700" r:id="rId4"/>
-    <p:sldLayoutId id="2147483701" r:id="rId5"/>
-    <p:sldLayoutId id="2147483702" r:id="rId6"/>
-    <p:sldLayoutId id="2147483703" r:id="rId7"/>
-    <p:sldLayoutId id="2147483704" r:id="rId8"/>
-    <p:sldLayoutId id="2147483705" r:id="rId9"/>
-    <p:sldLayoutId id="2147483706" r:id="rId10"/>
-    <p:sldLayoutId id="2147483707" r:id="rId11"/>
+    <p:sldLayoutId id="2147483757" r:id="rId1"/>
+    <p:sldLayoutId id="2147483758" r:id="rId2"/>
+    <p:sldLayoutId id="2147483759" r:id="rId3"/>
+    <p:sldLayoutId id="2147483760" r:id="rId4"/>
+    <p:sldLayoutId id="2147483761" r:id="rId5"/>
+    <p:sldLayoutId id="2147483762" r:id="rId6"/>
+    <p:sldLayoutId id="2147483763" r:id="rId7"/>
+    <p:sldLayoutId id="2147483764" r:id="rId8"/>
+    <p:sldLayoutId id="2147483765" r:id="rId9"/>
+    <p:sldLayoutId id="2147483766" r:id="rId10"/>
+    <p:sldLayoutId id="2147483767" r:id="rId11"/>
   </p:sldLayoutIdLst>
   <p:txStyles>
     <p:titleStyle>
-      <a:lvl1pPr algn="l" defTabSz="658459" rtl="0" eaLnBrk="1" latinLnBrk="0" hangingPunct="1">
+      <a:lvl1pPr algn="l" defTabSz="877915" rtl="0" eaLnBrk="1" latinLnBrk="0" hangingPunct="1">
         <a:lnSpc>
           <a:spcPct val="90000"/>
         </a:lnSpc>
@@ -2683,7 +2681,7 @@
           <a:spcPct val="0"/>
         </a:spcBef>
         <a:buNone/>
-        <a:defRPr sz="3168" kern="1200">
+        <a:defRPr sz="4224" kern="1200">
           <a:solidFill>
             <a:schemeClr val="tx1"/>
           </a:solidFill>
@@ -2694,16 +2692,16 @@
       </a:lvl1pPr>
     </p:titleStyle>
     <p:bodyStyle>
-      <a:lvl1pPr marL="164615" indent="-164615" algn="l" defTabSz="658459" rtl="0" eaLnBrk="1" latinLnBrk="0" hangingPunct="1">
+      <a:lvl1pPr marL="219479" indent="-219479" algn="l" defTabSz="877915" rtl="0" eaLnBrk="1" latinLnBrk="0" hangingPunct="1">
         <a:lnSpc>
           <a:spcPct val="90000"/>
         </a:lnSpc>
         <a:spcBef>
-          <a:spcPts val="720"/>
+          <a:spcPts val="960"/>
         </a:spcBef>
         <a:buFont typeface="Arial" panose="020B0604020202020204" pitchFamily="34" charset="0"/>
         <a:buChar char="•"/>
-        <a:defRPr sz="2016" kern="1200">
+        <a:defRPr sz="2688" kern="1200">
           <a:solidFill>
             <a:schemeClr val="tx1"/>
           </a:solidFill>
@@ -2712,12 +2710,48 @@
           <a:cs typeface="+mn-cs"/>
         </a:defRPr>
       </a:lvl1pPr>
-      <a:lvl2pPr marL="493845" indent="-164615" algn="l" defTabSz="658459" rtl="0" eaLnBrk="1" latinLnBrk="0" hangingPunct="1">
+      <a:lvl2pPr marL="658437" indent="-219479" algn="l" defTabSz="877915" rtl="0" eaLnBrk="1" latinLnBrk="0" hangingPunct="1">
         <a:lnSpc>
           <a:spcPct val="90000"/>
         </a:lnSpc>
         <a:spcBef>
-          <a:spcPts val="360"/>
+          <a:spcPts val="480"/>
+        </a:spcBef>
+        <a:buFont typeface="Arial" panose="020B0604020202020204" pitchFamily="34" charset="0"/>
+        <a:buChar char="•"/>
+        <a:defRPr sz="2304" kern="1200">
+          <a:solidFill>
+            <a:schemeClr val="tx1"/>
+          </a:solidFill>
+          <a:latin typeface="+mn-lt"/>
+          <a:ea typeface="+mn-ea"/>
+          <a:cs typeface="+mn-cs"/>
+        </a:defRPr>
+      </a:lvl2pPr>
+      <a:lvl3pPr marL="1097394" indent="-219479" algn="l" defTabSz="877915" rtl="0" eaLnBrk="1" latinLnBrk="0" hangingPunct="1">
+        <a:lnSpc>
+          <a:spcPct val="90000"/>
+        </a:lnSpc>
+        <a:spcBef>
+          <a:spcPts val="480"/>
+        </a:spcBef>
+        <a:buFont typeface="Arial" panose="020B0604020202020204" pitchFamily="34" charset="0"/>
+        <a:buChar char="•"/>
+        <a:defRPr sz="1920" kern="1200">
+          <a:solidFill>
+            <a:schemeClr val="tx1"/>
+          </a:solidFill>
+          <a:latin typeface="+mn-lt"/>
+          <a:ea typeface="+mn-ea"/>
+          <a:cs typeface="+mn-cs"/>
+        </a:defRPr>
+      </a:lvl3pPr>
+      <a:lvl4pPr marL="1536352" indent="-219479" algn="l" defTabSz="877915" rtl="0" eaLnBrk="1" latinLnBrk="0" hangingPunct="1">
+        <a:lnSpc>
+          <a:spcPct val="90000"/>
+        </a:lnSpc>
+        <a:spcBef>
+          <a:spcPts val="480"/>
         </a:spcBef>
         <a:buFont typeface="Arial" panose="020B0604020202020204" pitchFamily="34" charset="0"/>
         <a:buChar char="•"/>
@@ -2729,53 +2763,17 @@
           <a:ea typeface="+mn-ea"/>
           <a:cs typeface="+mn-cs"/>
         </a:defRPr>
-      </a:lvl2pPr>
-      <a:lvl3pPr marL="823074" indent="-164615" algn="l" defTabSz="658459" rtl="0" eaLnBrk="1" latinLnBrk="0" hangingPunct="1">
+      </a:lvl4pPr>
+      <a:lvl5pPr marL="1975310" indent="-219479" algn="l" defTabSz="877915" rtl="0" eaLnBrk="1" latinLnBrk="0" hangingPunct="1">
         <a:lnSpc>
           <a:spcPct val="90000"/>
         </a:lnSpc>
         <a:spcBef>
-          <a:spcPts val="360"/>
+          <a:spcPts val="480"/>
         </a:spcBef>
         <a:buFont typeface="Arial" panose="020B0604020202020204" pitchFamily="34" charset="0"/>
         <a:buChar char="•"/>
-        <a:defRPr sz="1440" kern="1200">
-          <a:solidFill>
-            <a:schemeClr val="tx1"/>
-          </a:solidFill>
-          <a:latin typeface="+mn-lt"/>
-          <a:ea typeface="+mn-ea"/>
-          <a:cs typeface="+mn-cs"/>
-        </a:defRPr>
-      </a:lvl3pPr>
-      <a:lvl4pPr marL="1152304" indent="-164615" algn="l" defTabSz="658459" rtl="0" eaLnBrk="1" latinLnBrk="0" hangingPunct="1">
-        <a:lnSpc>
-          <a:spcPct val="90000"/>
-        </a:lnSpc>
-        <a:spcBef>
-          <a:spcPts val="360"/>
-        </a:spcBef>
-        <a:buFont typeface="Arial" panose="020B0604020202020204" pitchFamily="34" charset="0"/>
-        <a:buChar char="•"/>
-        <a:defRPr sz="1296" kern="1200">
-          <a:solidFill>
-            <a:schemeClr val="tx1"/>
-          </a:solidFill>
-          <a:latin typeface="+mn-lt"/>
-          <a:ea typeface="+mn-ea"/>
-          <a:cs typeface="+mn-cs"/>
-        </a:defRPr>
-      </a:lvl4pPr>
-      <a:lvl5pPr marL="1481534" indent="-164615" algn="l" defTabSz="658459" rtl="0" eaLnBrk="1" latinLnBrk="0" hangingPunct="1">
-        <a:lnSpc>
-          <a:spcPct val="90000"/>
-        </a:lnSpc>
-        <a:spcBef>
-          <a:spcPts val="360"/>
-        </a:spcBef>
-        <a:buFont typeface="Arial" panose="020B0604020202020204" pitchFamily="34" charset="0"/>
-        <a:buChar char="•"/>
-        <a:defRPr sz="1296" kern="1200">
+        <a:defRPr sz="1728" kern="1200">
           <a:solidFill>
             <a:schemeClr val="tx1"/>
           </a:solidFill>
@@ -2784,16 +2782,16 @@
           <a:cs typeface="+mn-cs"/>
         </a:defRPr>
       </a:lvl5pPr>
-      <a:lvl6pPr marL="1810763" indent="-164615" algn="l" defTabSz="658459" rtl="0" eaLnBrk="1" latinLnBrk="0" hangingPunct="1">
+      <a:lvl6pPr marL="2414267" indent="-219479" algn="l" defTabSz="877915" rtl="0" eaLnBrk="1" latinLnBrk="0" hangingPunct="1">
         <a:lnSpc>
           <a:spcPct val="90000"/>
         </a:lnSpc>
         <a:spcBef>
-          <a:spcPts val="360"/>
+          <a:spcPts val="480"/>
         </a:spcBef>
         <a:buFont typeface="Arial" panose="020B0604020202020204" pitchFamily="34" charset="0"/>
         <a:buChar char="•"/>
-        <a:defRPr sz="1296" kern="1200">
+        <a:defRPr sz="1728" kern="1200">
           <a:solidFill>
             <a:schemeClr val="tx1"/>
           </a:solidFill>
@@ -2802,16 +2800,16 @@
           <a:cs typeface="+mn-cs"/>
         </a:defRPr>
       </a:lvl6pPr>
-      <a:lvl7pPr marL="2139993" indent="-164615" algn="l" defTabSz="658459" rtl="0" eaLnBrk="1" latinLnBrk="0" hangingPunct="1">
+      <a:lvl7pPr marL="2853225" indent="-219479" algn="l" defTabSz="877915" rtl="0" eaLnBrk="1" latinLnBrk="0" hangingPunct="1">
         <a:lnSpc>
           <a:spcPct val="90000"/>
         </a:lnSpc>
         <a:spcBef>
-          <a:spcPts val="360"/>
+          <a:spcPts val="480"/>
         </a:spcBef>
         <a:buFont typeface="Arial" panose="020B0604020202020204" pitchFamily="34" charset="0"/>
         <a:buChar char="•"/>
-        <a:defRPr sz="1296" kern="1200">
+        <a:defRPr sz="1728" kern="1200">
           <a:solidFill>
             <a:schemeClr val="tx1"/>
           </a:solidFill>
@@ -2820,16 +2818,16 @@
           <a:cs typeface="+mn-cs"/>
         </a:defRPr>
       </a:lvl7pPr>
-      <a:lvl8pPr marL="2469223" indent="-164615" algn="l" defTabSz="658459" rtl="0" eaLnBrk="1" latinLnBrk="0" hangingPunct="1">
+      <a:lvl8pPr marL="3292183" indent="-219479" algn="l" defTabSz="877915" rtl="0" eaLnBrk="1" latinLnBrk="0" hangingPunct="1">
         <a:lnSpc>
           <a:spcPct val="90000"/>
         </a:lnSpc>
         <a:spcBef>
-          <a:spcPts val="360"/>
+          <a:spcPts val="480"/>
         </a:spcBef>
         <a:buFont typeface="Arial" panose="020B0604020202020204" pitchFamily="34" charset="0"/>
         <a:buChar char="•"/>
-        <a:defRPr sz="1296" kern="1200">
+        <a:defRPr sz="1728" kern="1200">
           <a:solidFill>
             <a:schemeClr val="tx1"/>
           </a:solidFill>
@@ -2838,16 +2836,16 @@
           <a:cs typeface="+mn-cs"/>
         </a:defRPr>
       </a:lvl8pPr>
-      <a:lvl9pPr marL="2798453" indent="-164615" algn="l" defTabSz="658459" rtl="0" eaLnBrk="1" latinLnBrk="0" hangingPunct="1">
+      <a:lvl9pPr marL="3731141" indent="-219479" algn="l" defTabSz="877915" rtl="0" eaLnBrk="1" latinLnBrk="0" hangingPunct="1">
         <a:lnSpc>
           <a:spcPct val="90000"/>
         </a:lnSpc>
         <a:spcBef>
-          <a:spcPts val="360"/>
+          <a:spcPts val="480"/>
         </a:spcBef>
         <a:buFont typeface="Arial" panose="020B0604020202020204" pitchFamily="34" charset="0"/>
         <a:buChar char="•"/>
-        <a:defRPr sz="1296" kern="1200">
+        <a:defRPr sz="1728" kern="1200">
           <a:solidFill>
             <a:schemeClr val="tx1"/>
           </a:solidFill>
@@ -2861,8 +2859,8 @@
       <a:defPPr>
         <a:defRPr lang="en-US"/>
       </a:defPPr>
-      <a:lvl1pPr marL="0" algn="l" defTabSz="658459" rtl="0" eaLnBrk="1" latinLnBrk="0" hangingPunct="1">
-        <a:defRPr sz="1296" kern="1200">
+      <a:lvl1pPr marL="0" algn="l" defTabSz="877915" rtl="0" eaLnBrk="1" latinLnBrk="0" hangingPunct="1">
+        <a:defRPr sz="1728" kern="1200">
           <a:solidFill>
             <a:schemeClr val="tx1"/>
           </a:solidFill>
@@ -2871,8 +2869,8 @@
           <a:cs typeface="+mn-cs"/>
         </a:defRPr>
       </a:lvl1pPr>
-      <a:lvl2pPr marL="329230" algn="l" defTabSz="658459" rtl="0" eaLnBrk="1" latinLnBrk="0" hangingPunct="1">
-        <a:defRPr sz="1296" kern="1200">
+      <a:lvl2pPr marL="438958" algn="l" defTabSz="877915" rtl="0" eaLnBrk="1" latinLnBrk="0" hangingPunct="1">
+        <a:defRPr sz="1728" kern="1200">
           <a:solidFill>
             <a:schemeClr val="tx1"/>
           </a:solidFill>
@@ -2881,8 +2879,8 @@
           <a:cs typeface="+mn-cs"/>
         </a:defRPr>
       </a:lvl2pPr>
-      <a:lvl3pPr marL="658459" algn="l" defTabSz="658459" rtl="0" eaLnBrk="1" latinLnBrk="0" hangingPunct="1">
-        <a:defRPr sz="1296" kern="1200">
+      <a:lvl3pPr marL="877915" algn="l" defTabSz="877915" rtl="0" eaLnBrk="1" latinLnBrk="0" hangingPunct="1">
+        <a:defRPr sz="1728" kern="1200">
           <a:solidFill>
             <a:schemeClr val="tx1"/>
           </a:solidFill>
@@ -2891,8 +2889,8 @@
           <a:cs typeface="+mn-cs"/>
         </a:defRPr>
       </a:lvl3pPr>
-      <a:lvl4pPr marL="987689" algn="l" defTabSz="658459" rtl="0" eaLnBrk="1" latinLnBrk="0" hangingPunct="1">
-        <a:defRPr sz="1296" kern="1200">
+      <a:lvl4pPr marL="1316873" algn="l" defTabSz="877915" rtl="0" eaLnBrk="1" latinLnBrk="0" hangingPunct="1">
+        <a:defRPr sz="1728" kern="1200">
           <a:solidFill>
             <a:schemeClr val="tx1"/>
           </a:solidFill>
@@ -2901,8 +2899,8 @@
           <a:cs typeface="+mn-cs"/>
         </a:defRPr>
       </a:lvl4pPr>
-      <a:lvl5pPr marL="1316919" algn="l" defTabSz="658459" rtl="0" eaLnBrk="1" latinLnBrk="0" hangingPunct="1">
-        <a:defRPr sz="1296" kern="1200">
+      <a:lvl5pPr marL="1755831" algn="l" defTabSz="877915" rtl="0" eaLnBrk="1" latinLnBrk="0" hangingPunct="1">
+        <a:defRPr sz="1728" kern="1200">
           <a:solidFill>
             <a:schemeClr val="tx1"/>
           </a:solidFill>
@@ -2911,8 +2909,8 @@
           <a:cs typeface="+mn-cs"/>
         </a:defRPr>
       </a:lvl5pPr>
-      <a:lvl6pPr marL="1646149" algn="l" defTabSz="658459" rtl="0" eaLnBrk="1" latinLnBrk="0" hangingPunct="1">
-        <a:defRPr sz="1296" kern="1200">
+      <a:lvl6pPr marL="2194789" algn="l" defTabSz="877915" rtl="0" eaLnBrk="1" latinLnBrk="0" hangingPunct="1">
+        <a:defRPr sz="1728" kern="1200">
           <a:solidFill>
             <a:schemeClr val="tx1"/>
           </a:solidFill>
@@ -2921,8 +2919,8 @@
           <a:cs typeface="+mn-cs"/>
         </a:defRPr>
       </a:lvl6pPr>
-      <a:lvl7pPr marL="1975378" algn="l" defTabSz="658459" rtl="0" eaLnBrk="1" latinLnBrk="0" hangingPunct="1">
-        <a:defRPr sz="1296" kern="1200">
+      <a:lvl7pPr marL="2633746" algn="l" defTabSz="877915" rtl="0" eaLnBrk="1" latinLnBrk="0" hangingPunct="1">
+        <a:defRPr sz="1728" kern="1200">
           <a:solidFill>
             <a:schemeClr val="tx1"/>
           </a:solidFill>
@@ -2931,8 +2929,8 @@
           <a:cs typeface="+mn-cs"/>
         </a:defRPr>
       </a:lvl7pPr>
-      <a:lvl8pPr marL="2304608" algn="l" defTabSz="658459" rtl="0" eaLnBrk="1" latinLnBrk="0" hangingPunct="1">
-        <a:defRPr sz="1296" kern="1200">
+      <a:lvl8pPr marL="3072704" algn="l" defTabSz="877915" rtl="0" eaLnBrk="1" latinLnBrk="0" hangingPunct="1">
+        <a:defRPr sz="1728" kern="1200">
           <a:solidFill>
             <a:schemeClr val="tx1"/>
           </a:solidFill>
@@ -2941,8 +2939,8 @@
           <a:cs typeface="+mn-cs"/>
         </a:defRPr>
       </a:lvl8pPr>
-      <a:lvl9pPr marL="2633838" algn="l" defTabSz="658459" rtl="0" eaLnBrk="1" latinLnBrk="0" hangingPunct="1">
-        <a:defRPr sz="1296" kern="1200">
+      <a:lvl9pPr marL="3511662" algn="l" defTabSz="877915" rtl="0" eaLnBrk="1" latinLnBrk="0" hangingPunct="1">
+        <a:defRPr sz="1728" kern="1200">
           <a:solidFill>
             <a:schemeClr val="tx1"/>
           </a:solidFill>
@@ -2975,30 +2973,32 @@
       </p:grpSpPr>
       <p:grpSp>
         <p:nvGrpSpPr>
-          <p:cNvPr id="10" name="Group 9">
+          <p:cNvPr id="14" name="Group 13">
             <a:extLst>
               <a:ext uri="{FF2B5EF4-FFF2-40B4-BE49-F238E27FC236}">
-                <a16:creationId xmlns:a16="http://schemas.microsoft.com/office/drawing/2014/main" id="{09DCB40F-DB83-5F91-B912-941B3809AD4F}"/>
+                <a16:creationId xmlns:a16="http://schemas.microsoft.com/office/drawing/2014/main" id="{DECA8650-FD7E-DDE4-81B0-42AB22D03FF5}"/>
               </a:ext>
             </a:extLst>
           </p:cNvPr>
-          <p:cNvGrpSpPr/>
+          <p:cNvGrpSpPr>
+            <a:grpSpLocks noChangeAspect="1"/>
+          </p:cNvGrpSpPr>
           <p:nvPr/>
         </p:nvGrpSpPr>
         <p:grpSpPr>
           <a:xfrm>
             <a:off x="0" y="0"/>
-            <a:ext cx="8778875" cy="6684380"/>
-            <a:chOff x="274206" y="0"/>
-            <a:chExt cx="6491054" cy="5486400"/>
+            <a:ext cx="8778875" cy="7465890"/>
+            <a:chOff x="92869" y="0"/>
+            <a:chExt cx="6452883" cy="5487777"/>
           </a:xfrm>
         </p:grpSpPr>
         <p:pic>
           <p:nvPicPr>
-            <p:cNvPr id="9" name="Picture 8">
+            <p:cNvPr id="13" name="Picture 12">
               <a:extLst>
                 <a:ext uri="{FF2B5EF4-FFF2-40B4-BE49-F238E27FC236}">
-                  <a16:creationId xmlns:a16="http://schemas.microsoft.com/office/drawing/2014/main" id="{FACC149E-5B08-30C0-7D8D-BF6B10B5AB3F}"/>
+                  <a16:creationId xmlns:a16="http://schemas.microsoft.com/office/drawing/2014/main" id="{2D92CAF0-8E61-1E11-DB02-B63A964B2822}"/>
                 </a:ext>
               </a:extLst>
             </p:cNvPr>
@@ -3015,8 +3015,8 @@
           </p:blipFill>
           <p:spPr>
             <a:xfrm>
-              <a:off x="4592215" y="0"/>
-              <a:ext cx="2173045" cy="5486400"/>
+              <a:off x="4386155" y="1377"/>
+              <a:ext cx="2159597" cy="5486400"/>
             </a:xfrm>
             <a:prstGeom prst="rect">
               <a:avLst/>
@@ -3025,10 +3025,10 @@
         </p:pic>
         <p:pic>
           <p:nvPicPr>
-            <p:cNvPr id="7" name="Picture 6">
+            <p:cNvPr id="11" name="Picture 10">
               <a:extLst>
                 <a:ext uri="{FF2B5EF4-FFF2-40B4-BE49-F238E27FC236}">
-                  <a16:creationId xmlns:a16="http://schemas.microsoft.com/office/drawing/2014/main" id="{74D153E5-6D02-BDA7-D0D5-83AA927C1405}"/>
+                  <a16:creationId xmlns:a16="http://schemas.microsoft.com/office/drawing/2014/main" id="{7617A948-600D-4252-2956-0209AED1338E}"/>
                 </a:ext>
               </a:extLst>
             </p:cNvPr>
@@ -3045,8 +3045,8 @@
           </p:blipFill>
           <p:spPr>
             <a:xfrm>
-              <a:off x="2432124" y="0"/>
-              <a:ext cx="2178423" cy="5486400"/>
+              <a:off x="2249504" y="0"/>
+              <a:ext cx="2159597" cy="5486400"/>
             </a:xfrm>
             <a:prstGeom prst="rect">
               <a:avLst/>
@@ -3055,10 +3055,10 @@
         </p:pic>
         <p:pic>
           <p:nvPicPr>
-            <p:cNvPr id="4" name="Picture 3">
+            <p:cNvPr id="6" name="Picture 5">
               <a:extLst>
                 <a:ext uri="{FF2B5EF4-FFF2-40B4-BE49-F238E27FC236}">
-                  <a16:creationId xmlns:a16="http://schemas.microsoft.com/office/drawing/2014/main" id="{4A694E7C-3BEB-3D5D-595D-5C0BBA636A61}"/>
+                  <a16:creationId xmlns:a16="http://schemas.microsoft.com/office/drawing/2014/main" id="{05E2FC9B-21BF-55CB-E0D4-3B30A9D1C926}"/>
                 </a:ext>
               </a:extLst>
             </p:cNvPr>
@@ -3075,7 +3075,7 @@
           </p:blipFill>
           <p:spPr>
             <a:xfrm>
-              <a:off x="274206" y="0"/>
+              <a:off x="92869" y="0"/>
               <a:ext cx="2173045" cy="5486400"/>
             </a:xfrm>
             <a:prstGeom prst="rect">
@@ -3100,8 +3100,8 @@
         </p:nvSpPr>
         <p:spPr>
           <a:xfrm>
-            <a:off x="6902917" y="342010"/>
-            <a:ext cx="508512" cy="508512"/>
+            <a:off x="6895365" y="519915"/>
+            <a:ext cx="444891" cy="444891"/>
           </a:xfrm>
           <a:prstGeom prst="ellipse">
             <a:avLst/>
@@ -3133,18 +3133,18 @@
           </a:fontRef>
         </p:style>
         <p:txBody>
-          <a:bodyPr tIns="72000" bIns="108000" rtlCol="0" anchor="ctr"/>
+          <a:bodyPr tIns="62992" bIns="94487" rtlCol="0" anchor="ctr"/>
           <a:lstStyle/>
           <a:p>
             <a:pPr algn="ctr"/>
             <a:r>
-              <a:rPr lang="en-GB" sz="2400" dirty="0">
+              <a:rPr lang="en-GB" sz="2100" dirty="0">
                 <a:latin typeface="Arial" panose="020B0604020202020204" pitchFamily="34" charset="0"/>
                 <a:cs typeface="Arial" panose="020B0604020202020204" pitchFamily="34" charset="0"/>
               </a:rPr>
               <a:t>b</a:t>
             </a:r>
-            <a:endParaRPr lang="en-SE" sz="2400" dirty="0">
+            <a:endParaRPr lang="en-SE" sz="2100" dirty="0">
               <a:latin typeface="Arial" panose="020B0604020202020204" pitchFamily="34" charset="0"/>
               <a:cs typeface="Arial" panose="020B0604020202020204" pitchFamily="34" charset="0"/>
             </a:endParaRPr>
@@ -3165,8 +3165,8 @@
         </p:nvSpPr>
         <p:spPr>
           <a:xfrm>
-            <a:off x="2987702" y="2409825"/>
-            <a:ext cx="2734918" cy="403859"/>
+            <a:off x="2992120" y="2690616"/>
+            <a:ext cx="2720366" cy="444891"/>
           </a:xfrm>
           <a:prstGeom prst="rect">
             <a:avLst/>
@@ -3200,7 +3200,7 @@
           <a:lstStyle/>
           <a:p>
             <a:pPr algn="ctr"/>
-            <a:endParaRPr lang="en-SE"/>
+            <a:endParaRPr lang="en-SE" sz="1575"/>
           </a:p>
         </p:txBody>
       </p:sp>
@@ -3220,8 +3220,8 @@
         </p:nvSpPr>
         <p:spPr>
           <a:xfrm>
-            <a:off x="4916554" y="2103242"/>
-            <a:ext cx="508512" cy="508512"/>
+            <a:off x="5303379" y="2414768"/>
+            <a:ext cx="444891" cy="444891"/>
           </a:xfrm>
           <a:prstGeom prst="ellipse">
             <a:avLst/>
@@ -3253,18 +3253,18 @@
           </a:fontRef>
         </p:style>
         <p:txBody>
-          <a:bodyPr tIns="72000" bIns="108000" rtlCol="0" anchor="ctr"/>
+          <a:bodyPr tIns="62992" bIns="94487" rtlCol="0" anchor="ctr"/>
           <a:lstStyle/>
           <a:p>
             <a:pPr algn="ctr"/>
             <a:r>
-              <a:rPr lang="en-GB" sz="2400" dirty="0">
+              <a:rPr lang="en-GB" sz="2100" dirty="0">
                 <a:latin typeface="Arial" panose="020B0604020202020204" pitchFamily="34" charset="0"/>
                 <a:cs typeface="Arial" panose="020B0604020202020204" pitchFamily="34" charset="0"/>
               </a:rPr>
               <a:t>a</a:t>
             </a:r>
-            <a:endParaRPr lang="en-SE" sz="2400" dirty="0">
+            <a:endParaRPr lang="en-SE" sz="2100" dirty="0">
               <a:latin typeface="Arial" panose="020B0604020202020204" pitchFamily="34" charset="0"/>
               <a:cs typeface="Arial" panose="020B0604020202020204" pitchFamily="34" charset="0"/>
             </a:endParaRPr>
@@ -3285,8 +3285,8 @@
         </p:nvSpPr>
         <p:spPr>
           <a:xfrm>
-            <a:off x="5901690" y="3531870"/>
-            <a:ext cx="2704080" cy="1259205"/>
+            <a:off x="5913120" y="3931919"/>
+            <a:ext cx="2699386" cy="3348991"/>
           </a:xfrm>
           <a:prstGeom prst="rect">
             <a:avLst/>
@@ -3320,7 +3320,7 @@
           <a:lstStyle/>
           <a:p>
             <a:pPr algn="ctr"/>
-            <a:endParaRPr lang="en-SE"/>
+            <a:endParaRPr lang="en-SE" sz="1575"/>
           </a:p>
         </p:txBody>
       </p:sp>
@@ -3340,8 +3340,8 @@
         </p:nvSpPr>
         <p:spPr>
           <a:xfrm>
-            <a:off x="7977243" y="3277614"/>
-            <a:ext cx="508512" cy="508512"/>
+            <a:off x="7929943" y="3620068"/>
+            <a:ext cx="444891" cy="444891"/>
           </a:xfrm>
           <a:prstGeom prst="ellipse">
             <a:avLst/>
@@ -3373,18 +3373,18 @@
           </a:fontRef>
         </p:style>
         <p:txBody>
-          <a:bodyPr tIns="72000" bIns="108000" rtlCol="0" anchor="ctr"/>
+          <a:bodyPr tIns="62992" bIns="94487" rtlCol="0" anchor="ctr"/>
           <a:lstStyle/>
           <a:p>
             <a:pPr algn="ctr"/>
             <a:r>
-              <a:rPr lang="en-GB" sz="2400" dirty="0">
+              <a:rPr lang="en-GB" sz="2100" dirty="0">
                 <a:latin typeface="Arial" panose="020B0604020202020204" pitchFamily="34" charset="0"/>
                 <a:cs typeface="Arial" panose="020B0604020202020204" pitchFamily="34" charset="0"/>
               </a:rPr>
               <a:t>c</a:t>
             </a:r>
-            <a:endParaRPr lang="en-SE" sz="2400" dirty="0">
+            <a:endParaRPr lang="en-SE" sz="2100" dirty="0">
               <a:latin typeface="Arial" panose="020B0604020202020204" pitchFamily="34" charset="0"/>
               <a:cs typeface="Arial" panose="020B0604020202020204" pitchFamily="34" charset="0"/>
             </a:endParaRPr>

--- a/tutorials/pipelines/tut_a_fun_bud/vector files/fig07_big.pptx
+++ b/tutorials/pipelines/tut_a_fun_bud/vector files/fig07_big.pptx
@@ -243,7 +243,7 @@
           <a:p>
             <a:fld id="{CA1BB51F-BFC6-4DD3-8C2A-5B21FD6F69C3}" type="datetimeFigureOut">
               <a:rPr lang="en-SE" smtClean="0"/>
-              <a:t>10/01/2023</a:t>
+              <a:t>2023-10-05</a:t>
             </a:fld>
             <a:endParaRPr lang="en-SE"/>
           </a:p>
@@ -413,7 +413,7 @@
           <a:p>
             <a:fld id="{CA1BB51F-BFC6-4DD3-8C2A-5B21FD6F69C3}" type="datetimeFigureOut">
               <a:rPr lang="en-SE" smtClean="0"/>
-              <a:t>10/01/2023</a:t>
+              <a:t>2023-10-05</a:t>
             </a:fld>
             <a:endParaRPr lang="en-SE"/>
           </a:p>
@@ -593,7 +593,7 @@
           <a:p>
             <a:fld id="{CA1BB51F-BFC6-4DD3-8C2A-5B21FD6F69C3}" type="datetimeFigureOut">
               <a:rPr lang="en-SE" smtClean="0"/>
-              <a:t>10/01/2023</a:t>
+              <a:t>2023-10-05</a:t>
             </a:fld>
             <a:endParaRPr lang="en-SE"/>
           </a:p>
@@ -763,7 +763,7 @@
           <a:p>
             <a:fld id="{CA1BB51F-BFC6-4DD3-8C2A-5B21FD6F69C3}" type="datetimeFigureOut">
               <a:rPr lang="en-SE" smtClean="0"/>
-              <a:t>10/01/2023</a:t>
+              <a:t>2023-10-05</a:t>
             </a:fld>
             <a:endParaRPr lang="en-SE"/>
           </a:p>
@@ -1007,7 +1007,7 @@
           <a:p>
             <a:fld id="{CA1BB51F-BFC6-4DD3-8C2A-5B21FD6F69C3}" type="datetimeFigureOut">
               <a:rPr lang="en-SE" smtClean="0"/>
-              <a:t>10/01/2023</a:t>
+              <a:t>2023-10-05</a:t>
             </a:fld>
             <a:endParaRPr lang="en-SE"/>
           </a:p>
@@ -1239,7 +1239,7 @@
           <a:p>
             <a:fld id="{CA1BB51F-BFC6-4DD3-8C2A-5B21FD6F69C3}" type="datetimeFigureOut">
               <a:rPr lang="en-SE" smtClean="0"/>
-              <a:t>10/01/2023</a:t>
+              <a:t>2023-10-05</a:t>
             </a:fld>
             <a:endParaRPr lang="en-SE"/>
           </a:p>
@@ -1606,7 +1606,7 @@
           <a:p>
             <a:fld id="{CA1BB51F-BFC6-4DD3-8C2A-5B21FD6F69C3}" type="datetimeFigureOut">
               <a:rPr lang="en-SE" smtClean="0"/>
-              <a:t>10/01/2023</a:t>
+              <a:t>2023-10-05</a:t>
             </a:fld>
             <a:endParaRPr lang="en-SE"/>
           </a:p>
@@ -1724,7 +1724,7 @@
           <a:p>
             <a:fld id="{CA1BB51F-BFC6-4DD3-8C2A-5B21FD6F69C3}" type="datetimeFigureOut">
               <a:rPr lang="en-SE" smtClean="0"/>
-              <a:t>10/01/2023</a:t>
+              <a:t>2023-10-05</a:t>
             </a:fld>
             <a:endParaRPr lang="en-SE"/>
           </a:p>
@@ -1819,7 +1819,7 @@
           <a:p>
             <a:fld id="{CA1BB51F-BFC6-4DD3-8C2A-5B21FD6F69C3}" type="datetimeFigureOut">
               <a:rPr lang="en-SE" smtClean="0"/>
-              <a:t>10/01/2023</a:t>
+              <a:t>2023-10-05</a:t>
             </a:fld>
             <a:endParaRPr lang="en-SE"/>
           </a:p>
@@ -2096,7 +2096,7 @@
           <a:p>
             <a:fld id="{CA1BB51F-BFC6-4DD3-8C2A-5B21FD6F69C3}" type="datetimeFigureOut">
               <a:rPr lang="en-SE" smtClean="0"/>
-              <a:t>10/01/2023</a:t>
+              <a:t>2023-10-05</a:t>
             </a:fld>
             <a:endParaRPr lang="en-SE"/>
           </a:p>
@@ -2353,7 +2353,7 @@
           <a:p>
             <a:fld id="{CA1BB51F-BFC6-4DD3-8C2A-5B21FD6F69C3}" type="datetimeFigureOut">
               <a:rPr lang="en-SE" smtClean="0"/>
-              <a:t>10/01/2023</a:t>
+              <a:t>2023-10-05</a:t>
             </a:fld>
             <a:endParaRPr lang="en-SE"/>
           </a:p>
@@ -2566,7 +2566,7 @@
           <a:p>
             <a:fld id="{CA1BB51F-BFC6-4DD3-8C2A-5B21FD6F69C3}" type="datetimeFigureOut">
               <a:rPr lang="en-SE" smtClean="0"/>
-              <a:t>10/01/2023</a:t>
+              <a:t>2023-10-05</a:t>
             </a:fld>
             <a:endParaRPr lang="en-SE"/>
           </a:p>
@@ -3100,7 +3100,7 @@
         </p:nvSpPr>
         <p:spPr>
           <a:xfrm>
-            <a:off x="6895365" y="519915"/>
+            <a:off x="7929943" y="435694"/>
             <a:ext cx="444891" cy="444891"/>
           </a:xfrm>
           <a:prstGeom prst="ellipse">

--- a/tutorials/pipelines/tut_a_fun_bud/vector files/fig07_big.pptx
+++ b/tutorials/pipelines/tut_a_fun_bud/vector files/fig07_big.pptx
@@ -243,7 +243,7 @@
           <a:p>
             <a:fld id="{CA1BB51F-BFC6-4DD3-8C2A-5B21FD6F69C3}" type="datetimeFigureOut">
               <a:rPr lang="en-SE" smtClean="0"/>
-              <a:t>2023-10-05</a:t>
+              <a:t>10/01/2023</a:t>
             </a:fld>
             <a:endParaRPr lang="en-SE"/>
           </a:p>
@@ -413,7 +413,7 @@
           <a:p>
             <a:fld id="{CA1BB51F-BFC6-4DD3-8C2A-5B21FD6F69C3}" type="datetimeFigureOut">
               <a:rPr lang="en-SE" smtClean="0"/>
-              <a:t>2023-10-05</a:t>
+              <a:t>10/01/2023</a:t>
             </a:fld>
             <a:endParaRPr lang="en-SE"/>
           </a:p>
@@ -593,7 +593,7 @@
           <a:p>
             <a:fld id="{CA1BB51F-BFC6-4DD3-8C2A-5B21FD6F69C3}" type="datetimeFigureOut">
               <a:rPr lang="en-SE" smtClean="0"/>
-              <a:t>2023-10-05</a:t>
+              <a:t>10/01/2023</a:t>
             </a:fld>
             <a:endParaRPr lang="en-SE"/>
           </a:p>
@@ -763,7 +763,7 @@
           <a:p>
             <a:fld id="{CA1BB51F-BFC6-4DD3-8C2A-5B21FD6F69C3}" type="datetimeFigureOut">
               <a:rPr lang="en-SE" smtClean="0"/>
-              <a:t>2023-10-05</a:t>
+              <a:t>10/01/2023</a:t>
             </a:fld>
             <a:endParaRPr lang="en-SE"/>
           </a:p>
@@ -1007,7 +1007,7 @@
           <a:p>
             <a:fld id="{CA1BB51F-BFC6-4DD3-8C2A-5B21FD6F69C3}" type="datetimeFigureOut">
               <a:rPr lang="en-SE" smtClean="0"/>
-              <a:t>2023-10-05</a:t>
+              <a:t>10/01/2023</a:t>
             </a:fld>
             <a:endParaRPr lang="en-SE"/>
           </a:p>
@@ -1239,7 +1239,7 @@
           <a:p>
             <a:fld id="{CA1BB51F-BFC6-4DD3-8C2A-5B21FD6F69C3}" type="datetimeFigureOut">
               <a:rPr lang="en-SE" smtClean="0"/>
-              <a:t>2023-10-05</a:t>
+              <a:t>10/01/2023</a:t>
             </a:fld>
             <a:endParaRPr lang="en-SE"/>
           </a:p>
@@ -1606,7 +1606,7 @@
           <a:p>
             <a:fld id="{CA1BB51F-BFC6-4DD3-8C2A-5B21FD6F69C3}" type="datetimeFigureOut">
               <a:rPr lang="en-SE" smtClean="0"/>
-              <a:t>2023-10-05</a:t>
+              <a:t>10/01/2023</a:t>
             </a:fld>
             <a:endParaRPr lang="en-SE"/>
           </a:p>
@@ -1724,7 +1724,7 @@
           <a:p>
             <a:fld id="{CA1BB51F-BFC6-4DD3-8C2A-5B21FD6F69C3}" type="datetimeFigureOut">
               <a:rPr lang="en-SE" smtClean="0"/>
-              <a:t>2023-10-05</a:t>
+              <a:t>10/01/2023</a:t>
             </a:fld>
             <a:endParaRPr lang="en-SE"/>
           </a:p>
@@ -1819,7 +1819,7 @@
           <a:p>
             <a:fld id="{CA1BB51F-BFC6-4DD3-8C2A-5B21FD6F69C3}" type="datetimeFigureOut">
               <a:rPr lang="en-SE" smtClean="0"/>
-              <a:t>2023-10-05</a:t>
+              <a:t>10/01/2023</a:t>
             </a:fld>
             <a:endParaRPr lang="en-SE"/>
           </a:p>
@@ -2096,7 +2096,7 @@
           <a:p>
             <a:fld id="{CA1BB51F-BFC6-4DD3-8C2A-5B21FD6F69C3}" type="datetimeFigureOut">
               <a:rPr lang="en-SE" smtClean="0"/>
-              <a:t>2023-10-05</a:t>
+              <a:t>10/01/2023</a:t>
             </a:fld>
             <a:endParaRPr lang="en-SE"/>
           </a:p>
@@ -2353,7 +2353,7 @@
           <a:p>
             <a:fld id="{CA1BB51F-BFC6-4DD3-8C2A-5B21FD6F69C3}" type="datetimeFigureOut">
               <a:rPr lang="en-SE" smtClean="0"/>
-              <a:t>2023-10-05</a:t>
+              <a:t>10/01/2023</a:t>
             </a:fld>
             <a:endParaRPr lang="en-SE"/>
           </a:p>
@@ -2566,7 +2566,7 @@
           <a:p>
             <a:fld id="{CA1BB51F-BFC6-4DD3-8C2A-5B21FD6F69C3}" type="datetimeFigureOut">
               <a:rPr lang="en-SE" smtClean="0"/>
-              <a:t>2023-10-05</a:t>
+              <a:t>10/01/2023</a:t>
             </a:fld>
             <a:endParaRPr lang="en-SE"/>
           </a:p>
@@ -3100,7 +3100,7 @@
         </p:nvSpPr>
         <p:spPr>
           <a:xfrm>
-            <a:off x="7929943" y="435694"/>
+            <a:off x="6895365" y="519915"/>
             <a:ext cx="444891" cy="444891"/>
           </a:xfrm>
           <a:prstGeom prst="ellipse">
